--- a/dbscan_epsilon/dbscan.pptx
+++ b/dbscan_epsilon/dbscan.pptx
@@ -6,6 +6,8 @@
   </p:sldMasterIdLst>
   <p:sldIdLst>
     <p:sldId id="256" r:id="rId2"/>
+    <p:sldId id="257" r:id="rId3"/>
+    <p:sldId id="258" r:id="rId4"/>
   </p:sldIdLst>
   <p:sldSz cx="12192000" cy="6858000"/>
   <p:notesSz cx="6858000" cy="9144000"/>
@@ -104,6 +106,11 @@
       </a:defRPr>
     </a:lvl9pPr>
   </p:defaultTextStyle>
+  <p:extLst>
+    <p:ext uri="{EFAFB233-063F-42B5-8137-9DF3F51BA10A}">
+      <p15:sldGuideLst xmlns:p15="http://schemas.microsoft.com/office/powerpoint/2012/main"/>
+    </p:ext>
+  </p:extLst>
 </p:presentation>
 </file>
 
@@ -256,7 +263,7 @@
           <a:p>
             <a:fld id="{52E4D527-F85A-47AE-A440-868AEEB3FCC7}" type="datetimeFigureOut">
               <a:rPr lang="en-GB" smtClean="0"/>
-              <a:t>04/01/2021</a:t>
+              <a:t>05/01/2021</a:t>
             </a:fld>
             <a:endParaRPr lang="en-GB"/>
           </a:p>
@@ -456,7 +463,7 @@
           <a:p>
             <a:fld id="{52E4D527-F85A-47AE-A440-868AEEB3FCC7}" type="datetimeFigureOut">
               <a:rPr lang="en-GB" smtClean="0"/>
-              <a:t>04/01/2021</a:t>
+              <a:t>05/01/2021</a:t>
             </a:fld>
             <a:endParaRPr lang="en-GB"/>
           </a:p>
@@ -666,7 +673,7 @@
           <a:p>
             <a:fld id="{52E4D527-F85A-47AE-A440-868AEEB3FCC7}" type="datetimeFigureOut">
               <a:rPr lang="en-GB" smtClean="0"/>
-              <a:t>04/01/2021</a:t>
+              <a:t>05/01/2021</a:t>
             </a:fld>
             <a:endParaRPr lang="en-GB"/>
           </a:p>
@@ -866,7 +873,7 @@
           <a:p>
             <a:fld id="{52E4D527-F85A-47AE-A440-868AEEB3FCC7}" type="datetimeFigureOut">
               <a:rPr lang="en-GB" smtClean="0"/>
-              <a:t>04/01/2021</a:t>
+              <a:t>05/01/2021</a:t>
             </a:fld>
             <a:endParaRPr lang="en-GB"/>
           </a:p>
@@ -1142,7 +1149,7 @@
           <a:p>
             <a:fld id="{52E4D527-F85A-47AE-A440-868AEEB3FCC7}" type="datetimeFigureOut">
               <a:rPr lang="en-GB" smtClean="0"/>
-              <a:t>04/01/2021</a:t>
+              <a:t>05/01/2021</a:t>
             </a:fld>
             <a:endParaRPr lang="en-GB"/>
           </a:p>
@@ -1410,7 +1417,7 @@
           <a:p>
             <a:fld id="{52E4D527-F85A-47AE-A440-868AEEB3FCC7}" type="datetimeFigureOut">
               <a:rPr lang="en-GB" smtClean="0"/>
-              <a:t>04/01/2021</a:t>
+              <a:t>05/01/2021</a:t>
             </a:fld>
             <a:endParaRPr lang="en-GB"/>
           </a:p>
@@ -1825,7 +1832,7 @@
           <a:p>
             <a:fld id="{52E4D527-F85A-47AE-A440-868AEEB3FCC7}" type="datetimeFigureOut">
               <a:rPr lang="en-GB" smtClean="0"/>
-              <a:t>04/01/2021</a:t>
+              <a:t>05/01/2021</a:t>
             </a:fld>
             <a:endParaRPr lang="en-GB"/>
           </a:p>
@@ -1967,7 +1974,7 @@
           <a:p>
             <a:fld id="{52E4D527-F85A-47AE-A440-868AEEB3FCC7}" type="datetimeFigureOut">
               <a:rPr lang="en-GB" smtClean="0"/>
-              <a:t>04/01/2021</a:t>
+              <a:t>05/01/2021</a:t>
             </a:fld>
             <a:endParaRPr lang="en-GB"/>
           </a:p>
@@ -2080,7 +2087,7 @@
           <a:p>
             <a:fld id="{52E4D527-F85A-47AE-A440-868AEEB3FCC7}" type="datetimeFigureOut">
               <a:rPr lang="en-GB" smtClean="0"/>
-              <a:t>04/01/2021</a:t>
+              <a:t>05/01/2021</a:t>
             </a:fld>
             <a:endParaRPr lang="en-GB"/>
           </a:p>
@@ -2393,7 +2400,7 @@
           <a:p>
             <a:fld id="{52E4D527-F85A-47AE-A440-868AEEB3FCC7}" type="datetimeFigureOut">
               <a:rPr lang="en-GB" smtClean="0"/>
-              <a:t>04/01/2021</a:t>
+              <a:t>05/01/2021</a:t>
             </a:fld>
             <a:endParaRPr lang="en-GB"/>
           </a:p>
@@ -2682,7 +2689,7 @@
           <a:p>
             <a:fld id="{52E4D527-F85A-47AE-A440-868AEEB3FCC7}" type="datetimeFigureOut">
               <a:rPr lang="en-GB" smtClean="0"/>
-              <a:t>04/01/2021</a:t>
+              <a:t>05/01/2021</a:t>
             </a:fld>
             <a:endParaRPr lang="en-GB"/>
           </a:p>
@@ -2925,7 +2932,7 @@
           <a:p>
             <a:fld id="{52E4D527-F85A-47AE-A440-868AEEB3FCC7}" type="datetimeFigureOut">
               <a:rPr lang="en-GB" smtClean="0"/>
-              <a:t>04/01/2021</a:t>
+              <a:t>05/01/2021</a:t>
             </a:fld>
             <a:endParaRPr lang="en-GB"/>
           </a:p>
@@ -4244,6 +4251,604 @@
 </p:sld>
 </file>
 
+<file path=ppt/slides/slide2.xml><?xml version="1.0" encoding="utf-8"?>
+<p:sld xmlns:a="http://schemas.openxmlformats.org/drawingml/2006/main" xmlns:r="http://schemas.openxmlformats.org/officeDocument/2006/relationships" xmlns:p="http://schemas.openxmlformats.org/presentationml/2006/main">
+  <p:cSld>
+    <p:spTree>
+      <p:nvGrpSpPr>
+        <p:cNvPr id="1" name=""/>
+        <p:cNvGrpSpPr/>
+        <p:nvPr/>
+      </p:nvGrpSpPr>
+      <p:grpSpPr>
+        <a:xfrm>
+          <a:off x="0" y="0"/>
+          <a:ext cx="0" cy="0"/>
+          <a:chOff x="0" y="0"/>
+          <a:chExt cx="0" cy="0"/>
+        </a:xfrm>
+      </p:grpSpPr>
+      <p:sp>
+        <p:nvSpPr>
+          <p:cNvPr id="3" name="Right Triangle 2">
+            <a:extLst>
+              <a:ext uri="{FF2B5EF4-FFF2-40B4-BE49-F238E27FC236}">
+                <a16:creationId xmlns:a16="http://schemas.microsoft.com/office/drawing/2014/main" id="{0BB56304-8672-4AE1-8FB9-17B52A6874E3}"/>
+              </a:ext>
+            </a:extLst>
+          </p:cNvPr>
+          <p:cNvSpPr/>
+          <p:nvPr/>
+        </p:nvSpPr>
+        <p:spPr>
+          <a:xfrm>
+            <a:off x="2308194" y="1704513"/>
+            <a:ext cx="1704513" cy="1589103"/>
+          </a:xfrm>
+          <a:prstGeom prst="rtTriangle">
+            <a:avLst/>
+          </a:prstGeom>
+        </p:spPr>
+        <p:style>
+          <a:lnRef idx="2">
+            <a:schemeClr val="accent1">
+              <a:shade val="50000"/>
+            </a:schemeClr>
+          </a:lnRef>
+          <a:fillRef idx="1">
+            <a:schemeClr val="accent1"/>
+          </a:fillRef>
+          <a:effectRef idx="0">
+            <a:schemeClr val="accent1"/>
+          </a:effectRef>
+          <a:fontRef idx="minor">
+            <a:schemeClr val="lt1"/>
+          </a:fontRef>
+        </p:style>
+        <p:txBody>
+          <a:bodyPr rtlCol="0" anchor="ctr"/>
+          <a:lstStyle/>
+          <a:p>
+            <a:pPr algn="ctr"/>
+            <a:endParaRPr lang="en-GB"/>
+          </a:p>
+        </p:txBody>
+      </p:sp>
+      <p:cxnSp>
+        <p:nvCxnSpPr>
+          <p:cNvPr id="5" name="Straight Arrow Connector 4">
+            <a:extLst>
+              <a:ext uri="{FF2B5EF4-FFF2-40B4-BE49-F238E27FC236}">
+                <a16:creationId xmlns:a16="http://schemas.microsoft.com/office/drawing/2014/main" id="{9800F672-89C3-4801-AD89-88A0AAB4789D}"/>
+              </a:ext>
+            </a:extLst>
+          </p:cNvPr>
+          <p:cNvCxnSpPr/>
+          <p:nvPr/>
+        </p:nvCxnSpPr>
+        <p:spPr>
+          <a:xfrm>
+            <a:off x="2308194" y="3542190"/>
+            <a:ext cx="1704513" cy="0"/>
+          </a:xfrm>
+          <a:prstGeom prst="straightConnector1">
+            <a:avLst/>
+          </a:prstGeom>
+          <a:ln>
+            <a:tailEnd type="triangle"/>
+          </a:ln>
+        </p:spPr>
+        <p:style>
+          <a:lnRef idx="1">
+            <a:schemeClr val="accent1"/>
+          </a:lnRef>
+          <a:fillRef idx="0">
+            <a:schemeClr val="accent1"/>
+          </a:fillRef>
+          <a:effectRef idx="0">
+            <a:schemeClr val="accent1"/>
+          </a:effectRef>
+          <a:fontRef idx="minor">
+            <a:schemeClr val="tx1"/>
+          </a:fontRef>
+        </p:style>
+      </p:cxnSp>
+      <p:cxnSp>
+        <p:nvCxnSpPr>
+          <p:cNvPr id="7" name="Straight Arrow Connector 6">
+            <a:extLst>
+              <a:ext uri="{FF2B5EF4-FFF2-40B4-BE49-F238E27FC236}">
+                <a16:creationId xmlns:a16="http://schemas.microsoft.com/office/drawing/2014/main" id="{FB6C7F23-5B5C-4777-84DE-74B8B7FBE341}"/>
+              </a:ext>
+            </a:extLst>
+          </p:cNvPr>
+          <p:cNvCxnSpPr/>
+          <p:nvPr/>
+        </p:nvCxnSpPr>
+        <p:spPr>
+          <a:xfrm flipV="1">
+            <a:off x="1890944" y="1704513"/>
+            <a:ext cx="0" cy="1589103"/>
+          </a:xfrm>
+          <a:prstGeom prst="straightConnector1">
+            <a:avLst/>
+          </a:prstGeom>
+          <a:ln>
+            <a:tailEnd type="triangle"/>
+          </a:ln>
+        </p:spPr>
+        <p:style>
+          <a:lnRef idx="1">
+            <a:schemeClr val="accent1"/>
+          </a:lnRef>
+          <a:fillRef idx="0">
+            <a:schemeClr val="accent1"/>
+          </a:fillRef>
+          <a:effectRef idx="0">
+            <a:schemeClr val="accent1"/>
+          </a:effectRef>
+          <a:fontRef idx="minor">
+            <a:schemeClr val="tx1"/>
+          </a:fontRef>
+        </p:style>
+      </p:cxnSp>
+      <p:cxnSp>
+        <p:nvCxnSpPr>
+          <p:cNvPr id="9" name="Straight Arrow Connector 8">
+            <a:extLst>
+              <a:ext uri="{FF2B5EF4-FFF2-40B4-BE49-F238E27FC236}">
+                <a16:creationId xmlns:a16="http://schemas.microsoft.com/office/drawing/2014/main" id="{02120C68-E6EA-482C-930D-6BA97A8A67DB}"/>
+              </a:ext>
+            </a:extLst>
+          </p:cNvPr>
+          <p:cNvCxnSpPr/>
+          <p:nvPr/>
+        </p:nvCxnSpPr>
+        <p:spPr>
+          <a:xfrm>
+            <a:off x="2601157" y="1473693"/>
+            <a:ext cx="1695635" cy="1535837"/>
+          </a:xfrm>
+          <a:prstGeom prst="straightConnector1">
+            <a:avLst/>
+          </a:prstGeom>
+          <a:ln>
+            <a:headEnd type="triangle"/>
+            <a:tailEnd type="triangle"/>
+          </a:ln>
+        </p:spPr>
+        <p:style>
+          <a:lnRef idx="1">
+            <a:schemeClr val="accent1"/>
+          </a:lnRef>
+          <a:fillRef idx="0">
+            <a:schemeClr val="accent1"/>
+          </a:fillRef>
+          <a:effectRef idx="0">
+            <a:schemeClr val="accent1"/>
+          </a:effectRef>
+          <a:fontRef idx="minor">
+            <a:schemeClr val="tx1"/>
+          </a:fontRef>
+        </p:style>
+      </p:cxnSp>
+      <p:sp>
+        <p:nvSpPr>
+          <p:cNvPr id="10" name="TextBox 9">
+            <a:extLst>
+              <a:ext uri="{FF2B5EF4-FFF2-40B4-BE49-F238E27FC236}">
+                <a16:creationId xmlns:a16="http://schemas.microsoft.com/office/drawing/2014/main" id="{E37A2902-A71A-40E9-8207-E416D3708432}"/>
+              </a:ext>
+            </a:extLst>
+          </p:cNvPr>
+          <p:cNvSpPr txBox="1"/>
+          <p:nvPr/>
+        </p:nvSpPr>
+        <p:spPr>
+          <a:xfrm>
+            <a:off x="2601157" y="3915052"/>
+            <a:ext cx="1606859" cy="369332"/>
+          </a:xfrm>
+          <a:prstGeom prst="rect">
+            <a:avLst/>
+          </a:prstGeom>
+          <a:noFill/>
+        </p:spPr>
+        <p:txBody>
+          <a:bodyPr wrap="square" rtlCol="0">
+            <a:spAutoFit/>
+          </a:bodyPr>
+          <a:lstStyle/>
+          <a:p>
+            <a:r>
+              <a:rPr lang="en-GB" dirty="0"/>
+              <a:t>Height=10 cm</a:t>
+            </a:r>
+          </a:p>
+        </p:txBody>
+      </p:sp>
+      <p:sp>
+        <p:nvSpPr>
+          <p:cNvPr id="11" name="TextBox 10">
+            <a:extLst>
+              <a:ext uri="{FF2B5EF4-FFF2-40B4-BE49-F238E27FC236}">
+                <a16:creationId xmlns:a16="http://schemas.microsoft.com/office/drawing/2014/main" id="{433895D0-DA7A-45C9-9836-EDE67EB615C4}"/>
+              </a:ext>
+            </a:extLst>
+          </p:cNvPr>
+          <p:cNvSpPr txBox="1"/>
+          <p:nvPr/>
+        </p:nvSpPr>
+        <p:spPr>
+          <a:xfrm>
+            <a:off x="337354" y="2376542"/>
+            <a:ext cx="1393792" cy="369332"/>
+          </a:xfrm>
+          <a:prstGeom prst="rect">
+            <a:avLst/>
+          </a:prstGeom>
+          <a:noFill/>
+        </p:spPr>
+        <p:txBody>
+          <a:bodyPr wrap="square" rtlCol="0">
+            <a:spAutoFit/>
+          </a:bodyPr>
+          <a:lstStyle/>
+          <a:p>
+            <a:r>
+              <a:rPr lang="en-GB" dirty="0"/>
+              <a:t>Weight=1 Kg</a:t>
+            </a:r>
+          </a:p>
+        </p:txBody>
+      </p:sp>
+      <p:sp>
+        <p:nvSpPr>
+          <p:cNvPr id="12" name="TextBox 11">
+            <a:extLst>
+              <a:ext uri="{FF2B5EF4-FFF2-40B4-BE49-F238E27FC236}">
+                <a16:creationId xmlns:a16="http://schemas.microsoft.com/office/drawing/2014/main" id="{68870574-2BDA-4C73-8BCA-ACB502A0D848}"/>
+              </a:ext>
+            </a:extLst>
+          </p:cNvPr>
+          <p:cNvSpPr txBox="1"/>
+          <p:nvPr/>
+        </p:nvSpPr>
+        <p:spPr>
+          <a:xfrm>
+            <a:off x="3666478" y="1793289"/>
+            <a:ext cx="1180730" cy="369332"/>
+          </a:xfrm>
+          <a:prstGeom prst="rect">
+            <a:avLst/>
+          </a:prstGeom>
+          <a:noFill/>
+        </p:spPr>
+        <p:txBody>
+          <a:bodyPr wrap="square" rtlCol="0">
+            <a:spAutoFit/>
+          </a:bodyPr>
+          <a:lstStyle/>
+          <a:p>
+            <a:r>
+              <a:rPr lang="en-GB" dirty="0"/>
+              <a:t>Epsilon</a:t>
+            </a:r>
+          </a:p>
+        </p:txBody>
+      </p:sp>
+    </p:spTree>
+    <p:extLst>
+      <p:ext uri="{BB962C8B-B14F-4D97-AF65-F5344CB8AC3E}">
+        <p14:creationId xmlns:p14="http://schemas.microsoft.com/office/powerpoint/2010/main" val="3534680967"/>
+      </p:ext>
+    </p:extLst>
+  </p:cSld>
+  <p:clrMapOvr>
+    <a:masterClrMapping/>
+  </p:clrMapOvr>
+</p:sld>
+</file>
+
+<file path=ppt/slides/slide3.xml><?xml version="1.0" encoding="utf-8"?>
+<p:sld xmlns:a="http://schemas.openxmlformats.org/drawingml/2006/main" xmlns:r="http://schemas.openxmlformats.org/officeDocument/2006/relationships" xmlns:p="http://schemas.openxmlformats.org/presentationml/2006/main">
+  <p:cSld>
+    <p:spTree>
+      <p:nvGrpSpPr>
+        <p:cNvPr id="1" name=""/>
+        <p:cNvGrpSpPr/>
+        <p:nvPr/>
+      </p:nvGrpSpPr>
+      <p:grpSpPr>
+        <a:xfrm>
+          <a:off x="0" y="0"/>
+          <a:ext cx="0" cy="0"/>
+          <a:chOff x="0" y="0"/>
+          <a:chExt cx="0" cy="0"/>
+        </a:xfrm>
+      </p:grpSpPr>
+      <p:sp>
+        <p:nvSpPr>
+          <p:cNvPr id="3" name="Right Triangle 2">
+            <a:extLst>
+              <a:ext uri="{FF2B5EF4-FFF2-40B4-BE49-F238E27FC236}">
+                <a16:creationId xmlns:a16="http://schemas.microsoft.com/office/drawing/2014/main" id="{0BB56304-8672-4AE1-8FB9-17B52A6874E3}"/>
+              </a:ext>
+            </a:extLst>
+          </p:cNvPr>
+          <p:cNvSpPr/>
+          <p:nvPr/>
+        </p:nvSpPr>
+        <p:spPr>
+          <a:xfrm>
+            <a:off x="2308194" y="1704513"/>
+            <a:ext cx="1704513" cy="1589103"/>
+          </a:xfrm>
+          <a:prstGeom prst="rtTriangle">
+            <a:avLst/>
+          </a:prstGeom>
+        </p:spPr>
+        <p:style>
+          <a:lnRef idx="2">
+            <a:schemeClr val="accent1">
+              <a:shade val="50000"/>
+            </a:schemeClr>
+          </a:lnRef>
+          <a:fillRef idx="1">
+            <a:schemeClr val="accent1"/>
+          </a:fillRef>
+          <a:effectRef idx="0">
+            <a:schemeClr val="accent1"/>
+          </a:effectRef>
+          <a:fontRef idx="minor">
+            <a:schemeClr val="lt1"/>
+          </a:fontRef>
+        </p:style>
+        <p:txBody>
+          <a:bodyPr rtlCol="0" anchor="ctr"/>
+          <a:lstStyle/>
+          <a:p>
+            <a:pPr algn="ctr"/>
+            <a:endParaRPr lang="en-GB"/>
+          </a:p>
+        </p:txBody>
+      </p:sp>
+      <p:cxnSp>
+        <p:nvCxnSpPr>
+          <p:cNvPr id="5" name="Straight Arrow Connector 4">
+            <a:extLst>
+              <a:ext uri="{FF2B5EF4-FFF2-40B4-BE49-F238E27FC236}">
+                <a16:creationId xmlns:a16="http://schemas.microsoft.com/office/drawing/2014/main" id="{9800F672-89C3-4801-AD89-88A0AAB4789D}"/>
+              </a:ext>
+            </a:extLst>
+          </p:cNvPr>
+          <p:cNvCxnSpPr/>
+          <p:nvPr/>
+        </p:nvCxnSpPr>
+        <p:spPr>
+          <a:xfrm>
+            <a:off x="2308194" y="3542190"/>
+            <a:ext cx="1704513" cy="0"/>
+          </a:xfrm>
+          <a:prstGeom prst="straightConnector1">
+            <a:avLst/>
+          </a:prstGeom>
+          <a:ln>
+            <a:tailEnd type="triangle"/>
+          </a:ln>
+        </p:spPr>
+        <p:style>
+          <a:lnRef idx="1">
+            <a:schemeClr val="accent1"/>
+          </a:lnRef>
+          <a:fillRef idx="0">
+            <a:schemeClr val="accent1"/>
+          </a:fillRef>
+          <a:effectRef idx="0">
+            <a:schemeClr val="accent1"/>
+          </a:effectRef>
+          <a:fontRef idx="minor">
+            <a:schemeClr val="tx1"/>
+          </a:fontRef>
+        </p:style>
+      </p:cxnSp>
+      <p:cxnSp>
+        <p:nvCxnSpPr>
+          <p:cNvPr id="7" name="Straight Arrow Connector 6">
+            <a:extLst>
+              <a:ext uri="{FF2B5EF4-FFF2-40B4-BE49-F238E27FC236}">
+                <a16:creationId xmlns:a16="http://schemas.microsoft.com/office/drawing/2014/main" id="{FB6C7F23-5B5C-4777-84DE-74B8B7FBE341}"/>
+              </a:ext>
+            </a:extLst>
+          </p:cNvPr>
+          <p:cNvCxnSpPr/>
+          <p:nvPr/>
+        </p:nvCxnSpPr>
+        <p:spPr>
+          <a:xfrm flipV="1">
+            <a:off x="1890944" y="1704513"/>
+            <a:ext cx="0" cy="1589103"/>
+          </a:xfrm>
+          <a:prstGeom prst="straightConnector1">
+            <a:avLst/>
+          </a:prstGeom>
+          <a:ln>
+            <a:tailEnd type="triangle"/>
+          </a:ln>
+        </p:spPr>
+        <p:style>
+          <a:lnRef idx="1">
+            <a:schemeClr val="accent1"/>
+          </a:lnRef>
+          <a:fillRef idx="0">
+            <a:schemeClr val="accent1"/>
+          </a:fillRef>
+          <a:effectRef idx="0">
+            <a:schemeClr val="accent1"/>
+          </a:effectRef>
+          <a:fontRef idx="minor">
+            <a:schemeClr val="tx1"/>
+          </a:fontRef>
+        </p:style>
+      </p:cxnSp>
+      <p:cxnSp>
+        <p:nvCxnSpPr>
+          <p:cNvPr id="9" name="Straight Arrow Connector 8">
+            <a:extLst>
+              <a:ext uri="{FF2B5EF4-FFF2-40B4-BE49-F238E27FC236}">
+                <a16:creationId xmlns:a16="http://schemas.microsoft.com/office/drawing/2014/main" id="{02120C68-E6EA-482C-930D-6BA97A8A67DB}"/>
+              </a:ext>
+            </a:extLst>
+          </p:cNvPr>
+          <p:cNvCxnSpPr/>
+          <p:nvPr/>
+        </p:nvCxnSpPr>
+        <p:spPr>
+          <a:xfrm>
+            <a:off x="2601157" y="1473693"/>
+            <a:ext cx="1695635" cy="1535837"/>
+          </a:xfrm>
+          <a:prstGeom prst="straightConnector1">
+            <a:avLst/>
+          </a:prstGeom>
+          <a:ln>
+            <a:headEnd type="triangle"/>
+            <a:tailEnd type="triangle"/>
+          </a:ln>
+        </p:spPr>
+        <p:style>
+          <a:lnRef idx="1">
+            <a:schemeClr val="accent1"/>
+          </a:lnRef>
+          <a:fillRef idx="0">
+            <a:schemeClr val="accent1"/>
+          </a:fillRef>
+          <a:effectRef idx="0">
+            <a:schemeClr val="accent1"/>
+          </a:effectRef>
+          <a:fontRef idx="minor">
+            <a:schemeClr val="tx1"/>
+          </a:fontRef>
+        </p:style>
+      </p:cxnSp>
+      <p:sp>
+        <p:nvSpPr>
+          <p:cNvPr id="10" name="TextBox 9">
+            <a:extLst>
+              <a:ext uri="{FF2B5EF4-FFF2-40B4-BE49-F238E27FC236}">
+                <a16:creationId xmlns:a16="http://schemas.microsoft.com/office/drawing/2014/main" id="{E37A2902-A71A-40E9-8207-E416D3708432}"/>
+              </a:ext>
+            </a:extLst>
+          </p:cNvPr>
+          <p:cNvSpPr txBox="1"/>
+          <p:nvPr/>
+        </p:nvSpPr>
+        <p:spPr>
+          <a:xfrm>
+            <a:off x="2601157" y="3915052"/>
+            <a:ext cx="2459115" cy="646331"/>
+          </a:xfrm>
+          <a:prstGeom prst="rect">
+            <a:avLst/>
+          </a:prstGeom>
+          <a:noFill/>
+        </p:spPr>
+        <p:txBody>
+          <a:bodyPr wrap="square" rtlCol="0">
+            <a:spAutoFit/>
+          </a:bodyPr>
+          <a:lstStyle/>
+          <a:p>
+            <a:r>
+              <a:rPr lang="en-GB" dirty="0"/>
+              <a:t>Normalized Height equivalent of 10 cm</a:t>
+            </a:r>
+          </a:p>
+        </p:txBody>
+      </p:sp>
+      <p:sp>
+        <p:nvSpPr>
+          <p:cNvPr id="11" name="TextBox 10">
+            <a:extLst>
+              <a:ext uri="{FF2B5EF4-FFF2-40B4-BE49-F238E27FC236}">
+                <a16:creationId xmlns:a16="http://schemas.microsoft.com/office/drawing/2014/main" id="{433895D0-DA7A-45C9-9836-EDE67EB615C4}"/>
+              </a:ext>
+            </a:extLst>
+          </p:cNvPr>
+          <p:cNvSpPr txBox="1"/>
+          <p:nvPr/>
+        </p:nvSpPr>
+        <p:spPr>
+          <a:xfrm>
+            <a:off x="337354" y="2376542"/>
+            <a:ext cx="1393792" cy="1200329"/>
+          </a:xfrm>
+          <a:prstGeom prst="rect">
+            <a:avLst/>
+          </a:prstGeom>
+          <a:noFill/>
+        </p:spPr>
+        <p:txBody>
+          <a:bodyPr wrap="square" rtlCol="0">
+            <a:spAutoFit/>
+          </a:bodyPr>
+          <a:lstStyle/>
+          <a:p>
+            <a:r>
+              <a:rPr lang="en-GB" dirty="0"/>
+              <a:t>Normalized Weight  equivalent of 1 Kg</a:t>
+            </a:r>
+          </a:p>
+        </p:txBody>
+      </p:sp>
+      <p:sp>
+        <p:nvSpPr>
+          <p:cNvPr id="12" name="TextBox 11">
+            <a:extLst>
+              <a:ext uri="{FF2B5EF4-FFF2-40B4-BE49-F238E27FC236}">
+                <a16:creationId xmlns:a16="http://schemas.microsoft.com/office/drawing/2014/main" id="{68870574-2BDA-4C73-8BCA-ACB502A0D848}"/>
+              </a:ext>
+            </a:extLst>
+          </p:cNvPr>
+          <p:cNvSpPr txBox="1"/>
+          <p:nvPr/>
+        </p:nvSpPr>
+        <p:spPr>
+          <a:xfrm>
+            <a:off x="3666478" y="1793289"/>
+            <a:ext cx="1180730" cy="369332"/>
+          </a:xfrm>
+          <a:prstGeom prst="rect">
+            <a:avLst/>
+          </a:prstGeom>
+          <a:noFill/>
+        </p:spPr>
+        <p:txBody>
+          <a:bodyPr wrap="square" rtlCol="0">
+            <a:spAutoFit/>
+          </a:bodyPr>
+          <a:lstStyle/>
+          <a:p>
+            <a:r>
+              <a:rPr lang="en-GB" dirty="0"/>
+              <a:t>Epsilon</a:t>
+            </a:r>
+          </a:p>
+        </p:txBody>
+      </p:sp>
+    </p:spTree>
+    <p:extLst>
+      <p:ext uri="{BB962C8B-B14F-4D97-AF65-F5344CB8AC3E}">
+        <p14:creationId xmlns:p14="http://schemas.microsoft.com/office/powerpoint/2010/main" val="3838858789"/>
+      </p:ext>
+    </p:extLst>
+  </p:cSld>
+  <p:clrMapOvr>
+    <a:masterClrMapping/>
+  </p:clrMapOvr>
+</p:sld>
+</file>
+
 <file path=ppt/theme/theme1.xml><?xml version="1.0" encoding="utf-8"?>
 <a:theme xmlns:a="http://schemas.openxmlformats.org/drawingml/2006/main" name="Office Theme">
   <a:themeElements>
